--- a/programming-experiments/slides/10_ProgrammingExperiment.pptx
+++ b/programming-experiments/slides/10_ProgrammingExperiment.pptx
@@ -218,7 +218,7 @@
           <a:p>
             <a:fld id="{E741D560-B0C3-EC4E-8F83-FFD03185AA94}" type="datetimeFigureOut">
               <a:rPr lang="en-US" smtClean="0"/>
-              <a:t>4/14/25</a:t>
+              <a:t>7/24/25</a:t>
             </a:fld>
             <a:endParaRPr lang="en-US"/>
           </a:p>
@@ -5916,7 +5916,7 @@
           <a:lstStyle/>
           <a:p>
             <a:r>
-              <a:rPr lang="en-US" dirty="0"/>
+              <a:rPr lang="en-US" strike="sngStrike" dirty="0"/>
               <a:t>Attendance Check 15</a:t>
             </a:r>
           </a:p>
@@ -5947,7 +5947,7 @@
               <a:buNone/>
             </a:pPr>
             <a:r>
-              <a:rPr lang="en-US" dirty="0"/>
+              <a:rPr lang="en-US" strike="sngStrike" dirty="0"/>
               <a:t>Please submit the following form at the end of the class. This is today's attendance check.</a:t>
             </a:r>
           </a:p>
@@ -5955,25 +5955,25 @@
             <a:pPr marL="0" indent="0">
               <a:buNone/>
             </a:pPr>
-            <a:endParaRPr lang="en-US" dirty="0"/>
+            <a:endParaRPr lang="en-US" strike="sngStrike" dirty="0"/>
           </a:p>
           <a:p>
             <a:pPr marL="0" indent="0">
               <a:buNone/>
             </a:pPr>
             <a:r>
-              <a:rPr lang="en-US" dirty="0">
+              <a:rPr lang="en-US" strike="sngStrike" dirty="0">
                 <a:hlinkClick r:id="rId2"/>
               </a:rPr>
               <a:t>https://forms.gle/8E8VbPX6B5oS5UCK9</a:t>
             </a:r>
-            <a:endParaRPr lang="en-US" dirty="0"/>
+            <a:endParaRPr lang="en-US" strike="sngStrike" dirty="0"/>
           </a:p>
           <a:p>
             <a:pPr marL="0" indent="0">
               <a:buNone/>
             </a:pPr>
-            <a:endParaRPr lang="en-US" dirty="0"/>
+            <a:endParaRPr lang="en-US" strike="sngStrike" dirty="0"/>
           </a:p>
         </p:txBody>
       </p:sp>
@@ -10277,12 +10277,12 @@
           <a:p>
             <a:pPr lvl="1"/>
             <a:r>
-              <a:rPr lang="en-US" sz="2800" dirty="0">
+              <a:rPr lang="en-US" sz="2800" strike="sngStrike" dirty="0">
                 <a:hlinkClick r:id="rId2"/>
               </a:rPr>
               <a:t>https://forms.gle/SUjvhY5HGbuxNw5w7</a:t>
             </a:r>
-            <a:endParaRPr lang="en-US" sz="2800" dirty="0"/>
+            <a:endParaRPr lang="en-US" sz="2800" strike="sngStrike" dirty="0"/>
           </a:p>
           <a:p>
             <a:pPr lvl="2"/>
